--- a/documents/strategy/consumer player/DigiRAMP Mobile.pptx
+++ b/documents/strategy/consumer player/DigiRAMP Mobile.pptx
@@ -3184,6 +3184,13 @@
   <p:clrMapOvr>
     <a:masterClrMapping/>
   </p:clrMapOvr>
+  <p:timing>
+    <p:tnLst>
+      <p:par>
+        <p:cTn xmlns:p14="http://schemas.microsoft.com/office/powerpoint/2010/main" id="1" dur="indefinite" restart="never" nodeType="tmRoot"/>
+      </p:par>
+    </p:tnLst>
+  </p:timing>
 </p:sld>
 </file>
 
@@ -3330,7 +3337,7 @@
           <a:p>
             <a:r>
               <a:rPr lang="en-US" dirty="0" smtClean="0"/>
-              <a:t>Music sounds better with you. Let me play a great song for you</a:t>
+              <a:t>The music sounds better with you. Let me play a great song for you</a:t>
             </a:r>
             <a:endParaRPr lang="en-US" dirty="0"/>
           </a:p>
@@ -3346,6 +3353,13 @@
   <p:clrMapOvr>
     <a:masterClrMapping/>
   </p:clrMapOvr>
+  <p:timing>
+    <p:tnLst>
+      <p:par>
+        <p:cTn xmlns:p14="http://schemas.microsoft.com/office/powerpoint/2010/main" id="1" dur="indefinite" restart="never" nodeType="tmRoot"/>
+      </p:par>
+    </p:tnLst>
+  </p:timing>
 </p:sld>
 </file>
 
@@ -3399,7 +3413,12 @@
             <p:ph sz="half" idx="1"/>
           </p:nvPr>
         </p:nvSpPr>
-        <p:spPr/>
+        <p:spPr>
+          <a:xfrm>
+            <a:off x="457200" y="1600201"/>
+            <a:ext cx="4038600" cy="3645496"/>
+          </a:xfrm>
+        </p:spPr>
         <p:txBody>
           <a:bodyPr/>
           <a:lstStyle/>
@@ -3419,6 +3438,12 @@
             <a:r>
               <a:rPr lang="en-US" dirty="0" smtClean="0"/>
               <a:t>Invite friends</a:t>
+            </a:r>
+          </a:p>
+          <a:p>
+            <a:r>
+              <a:rPr lang="en-US" dirty="0" smtClean="0"/>
+              <a:t>Integration with YouTube. Spotify. Facebook </a:t>
             </a:r>
             <a:endParaRPr lang="en-US" dirty="0"/>
           </a:p>
@@ -3449,36 +3474,6 @@
         </p:blipFill>
         <p:spPr/>
       </p:pic>
-      <p:sp>
-        <p:nvSpPr>
-          <p:cNvPr id="6" name="Tekstfelt 5"/>
-          <p:cNvSpPr txBox="1"/>
-          <p:nvPr/>
-        </p:nvSpPr>
-        <p:spPr>
-          <a:xfrm>
-            <a:off x="539951" y="4068788"/>
-            <a:ext cx="3878524" cy="369332"/>
-          </a:xfrm>
-          <a:prstGeom prst="rect">
-            <a:avLst/>
-          </a:prstGeom>
-          <a:noFill/>
-        </p:spPr>
-        <p:txBody>
-          <a:bodyPr wrap="square" rtlCol="0">
-            <a:spAutoFit/>
-          </a:bodyPr>
-          <a:lstStyle/>
-          <a:p>
-            <a:r>
-              <a:rPr lang="en-US" dirty="0" smtClean="0"/>
-              <a:t>Engage and conduct business</a:t>
-            </a:r>
-            <a:endParaRPr lang="en-US" dirty="0"/>
-          </a:p>
-        </p:txBody>
-      </p:sp>
     </p:spTree>
     <p:extLst>
       <p:ext uri="{BB962C8B-B14F-4D97-AF65-F5344CB8AC3E}">
@@ -3489,6 +3484,13 @@
   <p:clrMapOvr>
     <a:masterClrMapping/>
   </p:clrMapOvr>
+  <p:timing>
+    <p:tnLst>
+      <p:par>
+        <p:cTn xmlns:p14="http://schemas.microsoft.com/office/powerpoint/2010/main" id="1" dur="indefinite" restart="never" nodeType="tmRoot"/>
+      </p:par>
+    </p:tnLst>
+  </p:timing>
 </p:sld>
 </file>
 
@@ -3600,6 +3602,12 @@
               <a:rPr lang="en-US" dirty="0" smtClean="0"/>
               <a:t>Follow</a:t>
             </a:r>
+          </a:p>
+          <a:p>
+            <a:r>
+              <a:rPr lang="en-US" dirty="0" smtClean="0"/>
+              <a:t>Content from majors</a:t>
+            </a:r>
             <a:endParaRPr lang="en-US" dirty="0"/>
           </a:p>
         </p:txBody>
@@ -3612,7 +3620,7 @@
         </p:nvSpPr>
         <p:spPr>
           <a:xfrm>
-            <a:off x="4648200" y="4464259"/>
+            <a:off x="4648200" y="4970568"/>
             <a:ext cx="4038600" cy="1477328"/>
           </a:xfrm>
           <a:prstGeom prst="rect">
@@ -3668,6 +3676,13 @@
   <p:clrMapOvr>
     <a:masterClrMapping/>
   </p:clrMapOvr>
+  <p:timing>
+    <p:tnLst>
+      <p:par>
+        <p:cTn xmlns:p14="http://schemas.microsoft.com/office/powerpoint/2010/main" id="1" dur="indefinite" restart="never" nodeType="tmRoot"/>
+      </p:par>
+    </p:tnLst>
+  </p:timing>
 </p:sld>
 </file>
 
@@ -3834,6 +3849,13 @@
   <p:clrMapOvr>
     <a:masterClrMapping/>
   </p:clrMapOvr>
+  <p:timing>
+    <p:tnLst>
+      <p:par>
+        <p:cTn xmlns:p14="http://schemas.microsoft.com/office/powerpoint/2010/main" id="1" dur="indefinite" restart="never" nodeType="tmRoot"/>
+      </p:par>
+    </p:tnLst>
+  </p:timing>
 </p:sld>
 </file>
 
@@ -3975,6 +3997,16 @@
               <a:rPr lang="en-US" dirty="0" smtClean="0"/>
               <a:t>Show Geographic's</a:t>
             </a:r>
+          </a:p>
+          <a:p>
+            <a:r>
+              <a:rPr lang="en-US" dirty="0" smtClean="0"/>
+              <a:t>High value </a:t>
+            </a:r>
+            <a:r>
+              <a:rPr lang="en-US" smtClean="0"/>
+              <a:t>for playlists</a:t>
+            </a:r>
             <a:endParaRPr lang="en-US" dirty="0"/>
           </a:p>
         </p:txBody>
@@ -3989,6 +4021,13 @@
   <p:clrMapOvr>
     <a:masterClrMapping/>
   </p:clrMapOvr>
+  <p:timing>
+    <p:tnLst>
+      <p:par>
+        <p:cTn xmlns:p14="http://schemas.microsoft.com/office/powerpoint/2010/main" id="1" dur="indefinite" restart="never" nodeType="tmRoot"/>
+      </p:par>
+    </p:tnLst>
+  </p:timing>
 </p:sld>
 </file>
 
